--- a/EA-Excel/TagsAndNotes/pptx/TagsAndNotes.pptx
+++ b/EA-Excel/TagsAndNotes/pptx/TagsAndNotes.pptx
@@ -111,6 +111,11 @@
       </a:defRPr>
     </a:lvl9pPr>
   </p:defaultTextStyle>
+  <p:extLst>
+    <p:ext uri="{EFAFB233-063F-42B5-8137-9DF3F51BA10A}">
+      <p15:sldGuideLst xmlns:p15="http://schemas.microsoft.com/office/powerpoint/2012/main"/>
+    </p:ext>
+  </p:extLst>
 </p:presentation>
 </file>
 
@@ -263,7 +268,7 @@
           <a:p>
             <a:fld id="{62E58FCD-46A6-40DB-8ED2-E2B8B45C39F9}" type="datetimeFigureOut">
               <a:rPr lang="nl-BE" smtClean="0"/>
-              <a:t>25/05/2020</a:t>
+              <a:t>26/05/2020</a:t>
             </a:fld>
             <a:endParaRPr lang="nl-BE"/>
           </a:p>
@@ -463,7 +468,7 @@
           <a:p>
             <a:fld id="{62E58FCD-46A6-40DB-8ED2-E2B8B45C39F9}" type="datetimeFigureOut">
               <a:rPr lang="nl-BE" smtClean="0"/>
-              <a:t>25/05/2020</a:t>
+              <a:t>26/05/2020</a:t>
             </a:fld>
             <a:endParaRPr lang="nl-BE"/>
           </a:p>
@@ -673,7 +678,7 @@
           <a:p>
             <a:fld id="{62E58FCD-46A6-40DB-8ED2-E2B8B45C39F9}" type="datetimeFigureOut">
               <a:rPr lang="nl-BE" smtClean="0"/>
-              <a:t>25/05/2020</a:t>
+              <a:t>26/05/2020</a:t>
             </a:fld>
             <a:endParaRPr lang="nl-BE"/>
           </a:p>
@@ -873,7 +878,7 @@
           <a:p>
             <a:fld id="{62E58FCD-46A6-40DB-8ED2-E2B8B45C39F9}" type="datetimeFigureOut">
               <a:rPr lang="nl-BE" smtClean="0"/>
-              <a:t>25/05/2020</a:t>
+              <a:t>26/05/2020</a:t>
             </a:fld>
             <a:endParaRPr lang="nl-BE"/>
           </a:p>
@@ -1149,7 +1154,7 @@
           <a:p>
             <a:fld id="{62E58FCD-46A6-40DB-8ED2-E2B8B45C39F9}" type="datetimeFigureOut">
               <a:rPr lang="nl-BE" smtClean="0"/>
-              <a:t>25/05/2020</a:t>
+              <a:t>26/05/2020</a:t>
             </a:fld>
             <a:endParaRPr lang="nl-BE"/>
           </a:p>
@@ -1417,7 +1422,7 @@
           <a:p>
             <a:fld id="{62E58FCD-46A6-40DB-8ED2-E2B8B45C39F9}" type="datetimeFigureOut">
               <a:rPr lang="nl-BE" smtClean="0"/>
-              <a:t>25/05/2020</a:t>
+              <a:t>26/05/2020</a:t>
             </a:fld>
             <a:endParaRPr lang="nl-BE"/>
           </a:p>
@@ -1832,7 +1837,7 @@
           <a:p>
             <a:fld id="{62E58FCD-46A6-40DB-8ED2-E2B8B45C39F9}" type="datetimeFigureOut">
               <a:rPr lang="nl-BE" smtClean="0"/>
-              <a:t>25/05/2020</a:t>
+              <a:t>26/05/2020</a:t>
             </a:fld>
             <a:endParaRPr lang="nl-BE"/>
           </a:p>
@@ -1974,7 +1979,7 @@
           <a:p>
             <a:fld id="{62E58FCD-46A6-40DB-8ED2-E2B8B45C39F9}" type="datetimeFigureOut">
               <a:rPr lang="nl-BE" smtClean="0"/>
-              <a:t>25/05/2020</a:t>
+              <a:t>26/05/2020</a:t>
             </a:fld>
             <a:endParaRPr lang="nl-BE"/>
           </a:p>
@@ -2087,7 +2092,7 @@
           <a:p>
             <a:fld id="{62E58FCD-46A6-40DB-8ED2-E2B8B45C39F9}" type="datetimeFigureOut">
               <a:rPr lang="nl-BE" smtClean="0"/>
-              <a:t>25/05/2020</a:t>
+              <a:t>26/05/2020</a:t>
             </a:fld>
             <a:endParaRPr lang="nl-BE"/>
           </a:p>
@@ -2400,7 +2405,7 @@
           <a:p>
             <a:fld id="{62E58FCD-46A6-40DB-8ED2-E2B8B45C39F9}" type="datetimeFigureOut">
               <a:rPr lang="nl-BE" smtClean="0"/>
-              <a:t>25/05/2020</a:t>
+              <a:t>26/05/2020</a:t>
             </a:fld>
             <a:endParaRPr lang="nl-BE"/>
           </a:p>
@@ -2689,7 +2694,7 @@
           <a:p>
             <a:fld id="{62E58FCD-46A6-40DB-8ED2-E2B8B45C39F9}" type="datetimeFigureOut">
               <a:rPr lang="nl-BE" smtClean="0"/>
-              <a:t>25/05/2020</a:t>
+              <a:t>26/05/2020</a:t>
             </a:fld>
             <a:endParaRPr lang="nl-BE"/>
           </a:p>
@@ -2932,7 +2937,7 @@
           <a:p>
             <a:fld id="{62E58FCD-46A6-40DB-8ED2-E2B8B45C39F9}" type="datetimeFigureOut">
               <a:rPr lang="nl-BE" smtClean="0"/>
-              <a:t>25/05/2020</a:t>
+              <a:t>26/05/2020</a:t>
             </a:fld>
             <a:endParaRPr lang="nl-BE"/>
           </a:p>
@@ -3416,7 +3421,7 @@
           <a:p>
             <a:r>
               <a:rPr lang="nl-BE" dirty="0"/>
-              <a:t>Martin Vanbrabant, 25 mei 2020</a:t>
+              <a:t>Martin Vanbrabant, 26 mei 2020</a:t>
             </a:r>
           </a:p>
         </p:txBody>
@@ -3818,19 +3823,16 @@
               <a:rPr lang="nl-BE" dirty="0"/>
               <a:t>TagsAndNotes.xlsm, gekopieerd naar uw</a:t>
             </a:r>
-            <a:r>
-              <a:rPr lang="nl-BE" dirty="0">
-                <a:sym typeface="Wingdings" panose="05000000000000000000" pitchFamily="2" charset="2"/>
-              </a:rPr>
-              <a:t> </a:t>
-            </a:r>
+            <a:br>
+              <a:rPr lang="nl-BE" dirty="0"/>
+            </a:br>
             <a:r>
               <a:rPr lang="nl-BE" dirty="0">
                 <a:solidFill>
                   <a:srgbClr val="FF0000"/>
                 </a:solidFill>
               </a:rPr>
-              <a:t>&lt;EA-model-bestandnaam&gt;-&lt;packagenaam&gt;.</a:t>
+              <a:t>&lt;EA-model-bestandnaam&gt;-diagram-&lt;diagramnaam&gt;.</a:t>
             </a:r>
             <a:r>
               <a:rPr lang="nl-BE" dirty="0" err="1">
@@ -3961,7 +3963,11 @@
           <a:p>
             <a:r>
               <a:rPr lang="nl-BE" dirty="0"/>
-              <a:t>Uitgevoerd rechtstreeks in TagsAndNotes.xlsm</a:t>
+              <a:t>Uitgevoerd op kopie van </a:t>
+            </a:r>
+            <a:r>
+              <a:rPr lang="nl-BE" u="sng" dirty="0"/>
+              <a:t>TagsAndNotes.xlsm</a:t>
             </a:r>
           </a:p>
           <a:p>
@@ -4052,21 +4058,39 @@
         <p:spPr/>
         <p:txBody>
           <a:bodyPr>
-            <a:normAutofit fontScale="92500" lnSpcReduction="10000"/>
+            <a:normAutofit/>
           </a:bodyPr>
           <a:lstStyle/>
           <a:p>
             <a:r>
               <a:rPr lang="nl-BE" dirty="0"/>
+              <a:t>Kopieer TagsAndNotes.xlsm naar </a:t>
+            </a:r>
+            <a:r>
+              <a:rPr lang="nl-BE" dirty="0">
+                <a:solidFill>
+                  <a:srgbClr val="FF0000"/>
+                </a:solidFill>
+              </a:rPr>
+              <a:t>TagsAndNotesTest-diagram-TestPackage.xlsm</a:t>
+            </a:r>
+            <a:endParaRPr lang="nl-BE" dirty="0"/>
+          </a:p>
+          <a:p>
+            <a:r>
+              <a:rPr lang="nl-BE" dirty="0"/>
               <a:t>Open </a:t>
             </a:r>
             <a:r>
               <a:rPr lang="nl-BE" dirty="0" err="1"/>
-              <a:t>TagsAndNotes.EAP</a:t>
-            </a:r>
-            <a:r>
-              <a:rPr lang="nl-BE" dirty="0"/>
-              <a:t> (</a:t>
+              <a:t>TagsAndNotesTest.EAP</a:t>
+            </a:r>
+            <a:endParaRPr lang="nl-BE" dirty="0"/>
+          </a:p>
+          <a:p>
+            <a:r>
+              <a:rPr lang="nl-BE" dirty="0"/>
+              <a:t>Selecteer DIAGRAM </a:t>
             </a:r>
             <a:r>
               <a:rPr lang="nl-BE" dirty="0" err="1"/>
@@ -4074,7 +4098,13 @@
             </a:r>
             <a:r>
               <a:rPr lang="nl-BE" dirty="0"/>
-              <a:t>) en TagsAndNotes.xlsm</a:t>
+              <a:t> (we werken diagram-gericht)</a:t>
+            </a:r>
+          </a:p>
+          <a:p>
+            <a:r>
+              <a:rPr lang="nl-BE" dirty="0"/>
+              <a:t>Open TagsAndNotesTest-diagram-TestPackage.xlsm</a:t>
             </a:r>
           </a:p>
           <a:p>
@@ -4096,143 +4126,6 @@
             <a:r>
               <a:rPr lang="nl-BE" dirty="0"/>
               <a:t>Lege inhoud, enkele kolommen…</a:t>
-            </a:r>
-          </a:p>
-          <a:p>
-            <a:r>
-              <a:rPr lang="nl-BE" dirty="0" err="1"/>
-              <a:t>Edit</a:t>
-            </a:r>
-            <a:r>
-              <a:rPr lang="nl-BE" dirty="0"/>
-              <a:t>:</a:t>
-            </a:r>
-          </a:p>
-          <a:p>
-            <a:pPr lvl="1"/>
-            <a:r>
-              <a:rPr lang="nl-BE" dirty="0"/>
-              <a:t>(</a:t>
-            </a:r>
-            <a:r>
-              <a:rPr lang="nl-BE" dirty="0" err="1"/>
-              <a:t>notes</a:t>
-            </a:r>
-            <a:r>
-              <a:rPr lang="nl-BE" dirty="0"/>
-              <a:t>): “</a:t>
-            </a:r>
-            <a:r>
-              <a:rPr lang="nl-BE" dirty="0" err="1"/>
-              <a:t>Notes</a:t>
-            </a:r>
-            <a:r>
-              <a:rPr lang="nl-BE" dirty="0"/>
-              <a:t> voor {name}.”</a:t>
-            </a:r>
-          </a:p>
-          <a:p>
-            <a:pPr lvl="1"/>
-            <a:r>
-              <a:rPr lang="nl-BE" dirty="0"/>
-              <a:t>label-nl: “{name-</a:t>
-            </a:r>
-            <a:r>
-              <a:rPr lang="nl-BE" dirty="0" err="1"/>
-              <a:t>to</a:t>
-            </a:r>
-            <a:r>
-              <a:rPr lang="nl-BE" dirty="0"/>
-              <a:t>-label}.”</a:t>
-            </a:r>
-          </a:p>
-          <a:p>
-            <a:pPr lvl="1"/>
-            <a:r>
-              <a:rPr lang="nl-BE" dirty="0" err="1"/>
-              <a:t>definition</a:t>
-            </a:r>
-            <a:r>
-              <a:rPr lang="nl-BE" dirty="0"/>
-              <a:t>-nl: “TO DO”</a:t>
-            </a:r>
-          </a:p>
-          <a:p>
-            <a:pPr lvl="1"/>
-            <a:r>
-              <a:rPr lang="nl-BE" dirty="0" err="1"/>
-              <a:t>usageNote</a:t>
-            </a:r>
-            <a:r>
-              <a:rPr lang="nl-BE" dirty="0"/>
-              <a:t>-nl: “Dit is een </a:t>
-            </a:r>
-            <a:r>
-              <a:rPr lang="nl-BE" dirty="0" err="1"/>
-              <a:t>usage</a:t>
-            </a:r>
-            <a:r>
-              <a:rPr lang="nl-BE" dirty="0"/>
-              <a:t> </a:t>
-            </a:r>
-            <a:r>
-              <a:rPr lang="nl-BE" dirty="0" err="1"/>
-              <a:t>note</a:t>
-            </a:r>
-            <a:r>
-              <a:rPr lang="nl-BE" dirty="0"/>
-              <a:t> voor {name-</a:t>
-            </a:r>
-            <a:r>
-              <a:rPr lang="nl-BE" dirty="0" err="1"/>
-              <a:t>to</a:t>
-            </a:r>
-            <a:r>
-              <a:rPr lang="nl-BE" dirty="0"/>
-              <a:t>-label}.”</a:t>
-            </a:r>
-          </a:p>
-          <a:p>
-            <a:pPr lvl="1"/>
-            <a:r>
-              <a:rPr lang="nl-BE" dirty="0"/>
-              <a:t>Uri (op de </a:t>
-            </a:r>
-            <a:r>
-              <a:rPr lang="nl-BE" dirty="0" err="1"/>
-              <a:t>enum</a:t>
-            </a:r>
-            <a:r>
-              <a:rPr lang="nl-BE" dirty="0"/>
-              <a:t>): </a:t>
-            </a:r>
-            <a:r>
-              <a:rPr lang="nl-BE" dirty="0">
-                <a:hlinkClick r:id="rId2"/>
-              </a:rPr>
-              <a:t>http://www.w3.org/2004/02/skos/core#Concept</a:t>
-            </a:r>
-            <a:endParaRPr lang="nl-BE" dirty="0"/>
-          </a:p>
-          <a:p>
-            <a:r>
-              <a:rPr lang="nl-BE" dirty="0"/>
-              <a:t>Push </a:t>
-            </a:r>
-            <a:r>
-              <a:rPr lang="nl-BE" dirty="0" err="1"/>
-              <a:t>to</a:t>
-            </a:r>
-            <a:r>
-              <a:rPr lang="nl-BE" dirty="0"/>
-              <a:t> EA #1</a:t>
-            </a:r>
-          </a:p>
-          <a:p>
-            <a:pPr lvl="1"/>
-            <a:r>
-              <a:rPr lang="nl-BE" dirty="0"/>
-              <a:t>Kijk eens in EA…</a:t>
             </a:r>
           </a:p>
           <a:p>
@@ -4317,8 +4210,147 @@
         </p:nvSpPr>
         <p:spPr/>
         <p:txBody>
-          <a:bodyPr/>
-          <a:lstStyle/>
+          <a:bodyPr>
+            <a:normAutofit fontScale="70000" lnSpcReduction="20000"/>
+          </a:bodyPr>
+          <a:lstStyle/>
+          <a:p>
+            <a:r>
+              <a:rPr lang="nl-BE" dirty="0" err="1"/>
+              <a:t>Edit</a:t>
+            </a:r>
+            <a:r>
+              <a:rPr lang="nl-BE" dirty="0"/>
+              <a:t>:</a:t>
+            </a:r>
+          </a:p>
+          <a:p>
+            <a:pPr lvl="1"/>
+            <a:r>
+              <a:rPr lang="nl-BE" dirty="0"/>
+              <a:t>(</a:t>
+            </a:r>
+            <a:r>
+              <a:rPr lang="nl-BE" dirty="0" err="1"/>
+              <a:t>notes</a:t>
+            </a:r>
+            <a:r>
+              <a:rPr lang="nl-BE" dirty="0"/>
+              <a:t>): “</a:t>
+            </a:r>
+            <a:r>
+              <a:rPr lang="nl-BE" dirty="0" err="1"/>
+              <a:t>Notes</a:t>
+            </a:r>
+            <a:r>
+              <a:rPr lang="nl-BE" dirty="0"/>
+              <a:t> voor {name}.”</a:t>
+            </a:r>
+          </a:p>
+          <a:p>
+            <a:pPr lvl="1"/>
+            <a:r>
+              <a:rPr lang="nl-BE" dirty="0"/>
+              <a:t>label-nl: “{name-</a:t>
+            </a:r>
+            <a:r>
+              <a:rPr lang="nl-BE" dirty="0" err="1"/>
+              <a:t>to</a:t>
+            </a:r>
+            <a:r>
+              <a:rPr lang="nl-BE" dirty="0"/>
+              <a:t>-label}.”</a:t>
+            </a:r>
+          </a:p>
+          <a:p>
+            <a:pPr lvl="1"/>
+            <a:r>
+              <a:rPr lang="nl-BE" dirty="0" err="1"/>
+              <a:t>definition</a:t>
+            </a:r>
+            <a:r>
+              <a:rPr lang="nl-BE" dirty="0"/>
+              <a:t>-nl: “TO DO”</a:t>
+            </a:r>
+          </a:p>
+          <a:p>
+            <a:pPr lvl="1"/>
+            <a:r>
+              <a:rPr lang="nl-BE" dirty="0" err="1"/>
+              <a:t>usageNote</a:t>
+            </a:r>
+            <a:r>
+              <a:rPr lang="nl-BE" dirty="0"/>
+              <a:t>-nl: “Dit is een </a:t>
+            </a:r>
+            <a:r>
+              <a:rPr lang="nl-BE" dirty="0" err="1"/>
+              <a:t>usage</a:t>
+            </a:r>
+            <a:r>
+              <a:rPr lang="nl-BE" dirty="0"/>
+              <a:t> </a:t>
+            </a:r>
+            <a:r>
+              <a:rPr lang="nl-BE" dirty="0" err="1"/>
+              <a:t>note</a:t>
+            </a:r>
+            <a:r>
+              <a:rPr lang="nl-BE" dirty="0"/>
+              <a:t> voor {name-</a:t>
+            </a:r>
+            <a:r>
+              <a:rPr lang="nl-BE" dirty="0" err="1"/>
+              <a:t>to</a:t>
+            </a:r>
+            <a:r>
+              <a:rPr lang="nl-BE" dirty="0"/>
+              <a:t>-label}.”</a:t>
+            </a:r>
+          </a:p>
+          <a:p>
+            <a:pPr lvl="1"/>
+            <a:r>
+              <a:rPr lang="nl-BE" dirty="0"/>
+              <a:t>Uri (op de </a:t>
+            </a:r>
+            <a:r>
+              <a:rPr lang="nl-BE" dirty="0" err="1"/>
+              <a:t>enum</a:t>
+            </a:r>
+            <a:r>
+              <a:rPr lang="nl-BE" dirty="0"/>
+              <a:t>): </a:t>
+            </a:r>
+            <a:r>
+              <a:rPr lang="nl-BE" dirty="0">
+                <a:hlinkClick r:id="rId2"/>
+              </a:rPr>
+              <a:t>http://www.w3.org/2004/02/skos/core#Concept</a:t>
+            </a:r>
+            <a:endParaRPr lang="nl-BE" dirty="0"/>
+          </a:p>
+          <a:p>
+            <a:r>
+              <a:rPr lang="nl-BE" dirty="0"/>
+              <a:t>Push </a:t>
+            </a:r>
+            <a:r>
+              <a:rPr lang="nl-BE" dirty="0" err="1"/>
+              <a:t>to</a:t>
+            </a:r>
+            <a:r>
+              <a:rPr lang="nl-BE" dirty="0"/>
+              <a:t> EA #1</a:t>
+            </a:r>
+          </a:p>
+          <a:p>
+            <a:pPr lvl="1"/>
+            <a:r>
+              <a:rPr lang="nl-BE" dirty="0"/>
+              <a:t>Kijk eens in EA…</a:t>
+            </a:r>
+          </a:p>
           <a:p>
             <a:r>
               <a:rPr lang="nl-BE" dirty="0"/>
@@ -4498,19 +4530,28 @@
           <a:p>
             <a:r>
               <a:rPr lang="nl-BE" dirty="0"/>
+              <a:t>Observeer het verschil tussen diagram-gericht </a:t>
+            </a:r>
+            <a:r>
+              <a:rPr lang="nl-BE"/>
+              <a:t>en package-gericht werken</a:t>
+            </a:r>
+            <a:r>
+              <a:rPr lang="nl-BE" dirty="0"/>
+              <a:t>.</a:t>
+            </a:r>
+          </a:p>
+          <a:p>
+            <a:r>
+              <a:rPr lang="nl-BE" dirty="0"/>
               <a:t>Probeer ook eens op een element in EA een tag toe te voegen waarvan de overeenkomstige cel in Excel leeg is en doe daarna een push (met wijzigingen aan andere cellen), gevolgd door een pull.</a:t>
             </a:r>
           </a:p>
           <a:p>
             <a:r>
               <a:rPr lang="nl-BE" dirty="0"/>
-              <a:t>Toepassing in de praktijk om een van uw </a:t>
-            </a:r>
-            <a:r>
-              <a:rPr lang="nl-BE"/>
-              <a:t>eigen modellen.</a:t>
-            </a:r>
-            <a:endParaRPr lang="nl-BE" dirty="0"/>
+              <a:t>Toepassing in de praktijk op een van uw eigen modellen.</a:t>
+            </a:r>
           </a:p>
           <a:p>
             <a:endParaRPr lang="nl-BE" dirty="0"/>
